--- a/CodeForGood14.pptx
+++ b/CodeForGood14.pptx
@@ -4,6 +4,9 @@
   <p:sldMasterIdLst>
     <p:sldMasterId id="2147483648" r:id="rId1"/>
   </p:sldMasterIdLst>
+  <p:notesMasterIdLst>
+    <p:notesMasterId r:id="rId7"/>
+  </p:notesMasterIdLst>
   <p:sldIdLst>
     <p:sldId id="256" r:id="rId2"/>
     <p:sldId id="257" r:id="rId3"/>
@@ -108,7 +111,800 @@
       </a:defRPr>
     </a:lvl9pPr>
   </p:defaultTextStyle>
+  <p:extLst>
+    <p:ext uri="{EFAFB233-063F-42B5-8137-9DF3F51BA10A}">
+      <p15:sldGuideLst xmlns:p15="http://schemas.microsoft.com/office/powerpoint/2012/main"/>
+    </p:ext>
+  </p:extLst>
 </p:presentation>
+</file>
+
+<file path=ppt/notesMasters/notesMaster1.xml><?xml version="1.0" encoding="utf-8"?>
+<p:notesMaster xmlns:a="http://schemas.openxmlformats.org/drawingml/2006/main" xmlns:r="http://schemas.openxmlformats.org/officeDocument/2006/relationships" xmlns:p="http://schemas.openxmlformats.org/presentationml/2006/main">
+  <p:cSld>
+    <p:bg>
+      <p:bgRef idx="1001">
+        <a:schemeClr val="bg1"/>
+      </p:bgRef>
+    </p:bg>
+    <p:spTree>
+      <p:nvGrpSpPr>
+        <p:cNvPr id="1" name=""/>
+        <p:cNvGrpSpPr/>
+        <p:nvPr/>
+      </p:nvGrpSpPr>
+      <p:grpSpPr>
+        <a:xfrm>
+          <a:off x="0" y="0"/>
+          <a:ext cx="0" cy="0"/>
+          <a:chOff x="0" y="0"/>
+          <a:chExt cx="0" cy="0"/>
+        </a:xfrm>
+      </p:grpSpPr>
+      <p:sp>
+        <p:nvSpPr>
+          <p:cNvPr id="2" name="Header Placeholder 1"/>
+          <p:cNvSpPr>
+            <a:spLocks noGrp="1"/>
+          </p:cNvSpPr>
+          <p:nvPr>
+            <p:ph type="hdr" sz="quarter"/>
+          </p:nvPr>
+        </p:nvSpPr>
+        <p:spPr>
+          <a:xfrm>
+            <a:off x="0" y="0"/>
+            <a:ext cx="2971800" cy="458788"/>
+          </a:xfrm>
+          <a:prstGeom prst="rect">
+            <a:avLst/>
+          </a:prstGeom>
+        </p:spPr>
+        <p:txBody>
+          <a:bodyPr vert="horz" lIns="91440" tIns="45720" rIns="91440" bIns="45720" rtlCol="0"/>
+          <a:lstStyle>
+            <a:lvl1pPr algn="l">
+              <a:defRPr sz="1200"/>
+            </a:lvl1pPr>
+          </a:lstStyle>
+          <a:p>
+            <a:endParaRPr lang="en-US"/>
+          </a:p>
+        </p:txBody>
+      </p:sp>
+      <p:sp>
+        <p:nvSpPr>
+          <p:cNvPr id="3" name="Date Placeholder 2"/>
+          <p:cNvSpPr>
+            <a:spLocks noGrp="1"/>
+          </p:cNvSpPr>
+          <p:nvPr>
+            <p:ph type="dt" idx="1"/>
+          </p:nvPr>
+        </p:nvSpPr>
+        <p:spPr>
+          <a:xfrm>
+            <a:off x="3884613" y="0"/>
+            <a:ext cx="2971800" cy="458788"/>
+          </a:xfrm>
+          <a:prstGeom prst="rect">
+            <a:avLst/>
+          </a:prstGeom>
+        </p:spPr>
+        <p:txBody>
+          <a:bodyPr vert="horz" lIns="91440" tIns="45720" rIns="91440" bIns="45720" rtlCol="0"/>
+          <a:lstStyle>
+            <a:lvl1pPr algn="r">
+              <a:defRPr sz="1200"/>
+            </a:lvl1pPr>
+          </a:lstStyle>
+          <a:p>
+            <a:fld id="{789FDCB7-5612-46F9-B684-B47861450BBA}" type="datetimeFigureOut">
+              <a:rPr lang="en-US" smtClean="0"/>
+              <a:t>10/15/2016</a:t>
+            </a:fld>
+            <a:endParaRPr lang="en-US"/>
+          </a:p>
+        </p:txBody>
+      </p:sp>
+      <p:sp>
+        <p:nvSpPr>
+          <p:cNvPr id="4" name="Slide Image Placeholder 3"/>
+          <p:cNvSpPr>
+            <a:spLocks noGrp="1" noRot="1" noChangeAspect="1"/>
+          </p:cNvSpPr>
+          <p:nvPr>
+            <p:ph type="sldImg" idx="2"/>
+          </p:nvPr>
+        </p:nvSpPr>
+        <p:spPr>
+          <a:xfrm>
+            <a:off x="685800" y="1143000"/>
+            <a:ext cx="5486400" cy="3086100"/>
+          </a:xfrm>
+          <a:prstGeom prst="rect">
+            <a:avLst/>
+          </a:prstGeom>
+          <a:noFill/>
+          <a:ln w="12700">
+            <a:solidFill>
+              <a:prstClr val="black"/>
+            </a:solidFill>
+          </a:ln>
+        </p:spPr>
+        <p:txBody>
+          <a:bodyPr vert="horz" lIns="91440" tIns="45720" rIns="91440" bIns="45720" rtlCol="0" anchor="ctr"/>
+          <a:lstStyle/>
+          <a:p>
+            <a:endParaRPr lang="en-US"/>
+          </a:p>
+        </p:txBody>
+      </p:sp>
+      <p:sp>
+        <p:nvSpPr>
+          <p:cNvPr id="5" name="Notes Placeholder 4"/>
+          <p:cNvSpPr>
+            <a:spLocks noGrp="1"/>
+          </p:cNvSpPr>
+          <p:nvPr>
+            <p:ph type="body" sz="quarter" idx="3"/>
+          </p:nvPr>
+        </p:nvSpPr>
+        <p:spPr>
+          <a:xfrm>
+            <a:off x="685800" y="4400550"/>
+            <a:ext cx="5486400" cy="3600450"/>
+          </a:xfrm>
+          <a:prstGeom prst="rect">
+            <a:avLst/>
+          </a:prstGeom>
+        </p:spPr>
+        <p:txBody>
+          <a:bodyPr vert="horz" lIns="91440" tIns="45720" rIns="91440" bIns="45720" rtlCol="0"/>
+          <a:lstStyle/>
+          <a:p>
+            <a:pPr lvl="0"/>
+            <a:r>
+              <a:rPr lang="en-US" smtClean="0"/>
+              <a:t>Click to edit Master text styles</a:t>
+            </a:r>
+          </a:p>
+          <a:p>
+            <a:pPr lvl="1"/>
+            <a:r>
+              <a:rPr lang="en-US" smtClean="0"/>
+              <a:t>Second level</a:t>
+            </a:r>
+          </a:p>
+          <a:p>
+            <a:pPr lvl="2"/>
+            <a:r>
+              <a:rPr lang="en-US" smtClean="0"/>
+              <a:t>Third level</a:t>
+            </a:r>
+          </a:p>
+          <a:p>
+            <a:pPr lvl="3"/>
+            <a:r>
+              <a:rPr lang="en-US" smtClean="0"/>
+              <a:t>Fourth level</a:t>
+            </a:r>
+          </a:p>
+          <a:p>
+            <a:pPr lvl="4"/>
+            <a:r>
+              <a:rPr lang="en-US" smtClean="0"/>
+              <a:t>Fifth level</a:t>
+            </a:r>
+            <a:endParaRPr lang="en-US"/>
+          </a:p>
+        </p:txBody>
+      </p:sp>
+      <p:sp>
+        <p:nvSpPr>
+          <p:cNvPr id="6" name="Footer Placeholder 5"/>
+          <p:cNvSpPr>
+            <a:spLocks noGrp="1"/>
+          </p:cNvSpPr>
+          <p:nvPr>
+            <p:ph type="ftr" sz="quarter" idx="4"/>
+          </p:nvPr>
+        </p:nvSpPr>
+        <p:spPr>
+          <a:xfrm>
+            <a:off x="0" y="8685213"/>
+            <a:ext cx="2971800" cy="458787"/>
+          </a:xfrm>
+          <a:prstGeom prst="rect">
+            <a:avLst/>
+          </a:prstGeom>
+        </p:spPr>
+        <p:txBody>
+          <a:bodyPr vert="horz" lIns="91440" tIns="45720" rIns="91440" bIns="45720" rtlCol="0" anchor="b"/>
+          <a:lstStyle>
+            <a:lvl1pPr algn="l">
+              <a:defRPr sz="1200"/>
+            </a:lvl1pPr>
+          </a:lstStyle>
+          <a:p>
+            <a:endParaRPr lang="en-US"/>
+          </a:p>
+        </p:txBody>
+      </p:sp>
+      <p:sp>
+        <p:nvSpPr>
+          <p:cNvPr id="7" name="Slide Number Placeholder 6"/>
+          <p:cNvSpPr>
+            <a:spLocks noGrp="1"/>
+          </p:cNvSpPr>
+          <p:nvPr>
+            <p:ph type="sldNum" sz="quarter" idx="5"/>
+          </p:nvPr>
+        </p:nvSpPr>
+        <p:spPr>
+          <a:xfrm>
+            <a:off x="3884613" y="8685213"/>
+            <a:ext cx="2971800" cy="458787"/>
+          </a:xfrm>
+          <a:prstGeom prst="rect">
+            <a:avLst/>
+          </a:prstGeom>
+        </p:spPr>
+        <p:txBody>
+          <a:bodyPr vert="horz" lIns="91440" tIns="45720" rIns="91440" bIns="45720" rtlCol="0" anchor="b"/>
+          <a:lstStyle>
+            <a:lvl1pPr algn="r">
+              <a:defRPr sz="1200"/>
+            </a:lvl1pPr>
+          </a:lstStyle>
+          <a:p>
+            <a:fld id="{7D14BCBE-C63A-40CD-B078-61D91270076D}" type="slidenum">
+              <a:rPr lang="en-US" smtClean="0"/>
+              <a:t>‹#›</a:t>
+            </a:fld>
+            <a:endParaRPr lang="en-US"/>
+          </a:p>
+        </p:txBody>
+      </p:sp>
+    </p:spTree>
+    <p:extLst>
+      <p:ext uri="{BB962C8B-B14F-4D97-AF65-F5344CB8AC3E}">
+        <p14:creationId xmlns:p14="http://schemas.microsoft.com/office/powerpoint/2010/main" val="920013133"/>
+      </p:ext>
+    </p:extLst>
+  </p:cSld>
+  <p:clrMap bg1="lt1" tx1="dk1" bg2="lt2" tx2="dk2" accent1="accent1" accent2="accent2" accent3="accent3" accent4="accent4" accent5="accent5" accent6="accent6" hlink="hlink" folHlink="folHlink"/>
+  <p:notesStyle>
+    <a:lvl1pPr marL="0" algn="l" defTabSz="914400" rtl="0" eaLnBrk="1" latinLnBrk="0" hangingPunct="1">
+      <a:defRPr sz="1200" kern="1200">
+        <a:solidFill>
+          <a:schemeClr val="tx1"/>
+        </a:solidFill>
+        <a:latin typeface="+mn-lt"/>
+        <a:ea typeface="+mn-ea"/>
+        <a:cs typeface="+mn-cs"/>
+      </a:defRPr>
+    </a:lvl1pPr>
+    <a:lvl2pPr marL="457200" algn="l" defTabSz="914400" rtl="0" eaLnBrk="1" latinLnBrk="0" hangingPunct="1">
+      <a:defRPr sz="1200" kern="1200">
+        <a:solidFill>
+          <a:schemeClr val="tx1"/>
+        </a:solidFill>
+        <a:latin typeface="+mn-lt"/>
+        <a:ea typeface="+mn-ea"/>
+        <a:cs typeface="+mn-cs"/>
+      </a:defRPr>
+    </a:lvl2pPr>
+    <a:lvl3pPr marL="914400" algn="l" defTabSz="914400" rtl="0" eaLnBrk="1" latinLnBrk="0" hangingPunct="1">
+      <a:defRPr sz="1200" kern="1200">
+        <a:solidFill>
+          <a:schemeClr val="tx1"/>
+        </a:solidFill>
+        <a:latin typeface="+mn-lt"/>
+        <a:ea typeface="+mn-ea"/>
+        <a:cs typeface="+mn-cs"/>
+      </a:defRPr>
+    </a:lvl3pPr>
+    <a:lvl4pPr marL="1371600" algn="l" defTabSz="914400" rtl="0" eaLnBrk="1" latinLnBrk="0" hangingPunct="1">
+      <a:defRPr sz="1200" kern="1200">
+        <a:solidFill>
+          <a:schemeClr val="tx1"/>
+        </a:solidFill>
+        <a:latin typeface="+mn-lt"/>
+        <a:ea typeface="+mn-ea"/>
+        <a:cs typeface="+mn-cs"/>
+      </a:defRPr>
+    </a:lvl4pPr>
+    <a:lvl5pPr marL="1828800" algn="l" defTabSz="914400" rtl="0" eaLnBrk="1" latinLnBrk="0" hangingPunct="1">
+      <a:defRPr sz="1200" kern="1200">
+        <a:solidFill>
+          <a:schemeClr val="tx1"/>
+        </a:solidFill>
+        <a:latin typeface="+mn-lt"/>
+        <a:ea typeface="+mn-ea"/>
+        <a:cs typeface="+mn-cs"/>
+      </a:defRPr>
+    </a:lvl5pPr>
+    <a:lvl6pPr marL="2286000" algn="l" defTabSz="914400" rtl="0" eaLnBrk="1" latinLnBrk="0" hangingPunct="1">
+      <a:defRPr sz="1200" kern="1200">
+        <a:solidFill>
+          <a:schemeClr val="tx1"/>
+        </a:solidFill>
+        <a:latin typeface="+mn-lt"/>
+        <a:ea typeface="+mn-ea"/>
+        <a:cs typeface="+mn-cs"/>
+      </a:defRPr>
+    </a:lvl6pPr>
+    <a:lvl7pPr marL="2743200" algn="l" defTabSz="914400" rtl="0" eaLnBrk="1" latinLnBrk="0" hangingPunct="1">
+      <a:defRPr sz="1200" kern="1200">
+        <a:solidFill>
+          <a:schemeClr val="tx1"/>
+        </a:solidFill>
+        <a:latin typeface="+mn-lt"/>
+        <a:ea typeface="+mn-ea"/>
+        <a:cs typeface="+mn-cs"/>
+      </a:defRPr>
+    </a:lvl7pPr>
+    <a:lvl8pPr marL="3200400" algn="l" defTabSz="914400" rtl="0" eaLnBrk="1" latinLnBrk="0" hangingPunct="1">
+      <a:defRPr sz="1200" kern="1200">
+        <a:solidFill>
+          <a:schemeClr val="tx1"/>
+        </a:solidFill>
+        <a:latin typeface="+mn-lt"/>
+        <a:ea typeface="+mn-ea"/>
+        <a:cs typeface="+mn-cs"/>
+      </a:defRPr>
+    </a:lvl8pPr>
+    <a:lvl9pPr marL="3657600" algn="l" defTabSz="914400" rtl="0" eaLnBrk="1" latinLnBrk="0" hangingPunct="1">
+      <a:defRPr sz="1200" kern="1200">
+        <a:solidFill>
+          <a:schemeClr val="tx1"/>
+        </a:solidFill>
+        <a:latin typeface="+mn-lt"/>
+        <a:ea typeface="+mn-ea"/>
+        <a:cs typeface="+mn-cs"/>
+      </a:defRPr>
+    </a:lvl9pPr>
+  </p:notesStyle>
+</p:notesMaster>
+</file>
+
+<file path=ppt/notesSlides/notesSlide1.xml><?xml version="1.0" encoding="utf-8"?>
+<p:notes xmlns:a="http://schemas.openxmlformats.org/drawingml/2006/main" xmlns:r="http://schemas.openxmlformats.org/officeDocument/2006/relationships" xmlns:p="http://schemas.openxmlformats.org/presentationml/2006/main">
+  <p:cSld>
+    <p:spTree>
+      <p:nvGrpSpPr>
+        <p:cNvPr id="1" name=""/>
+        <p:cNvGrpSpPr/>
+        <p:nvPr/>
+      </p:nvGrpSpPr>
+      <p:grpSpPr>
+        <a:xfrm>
+          <a:off x="0" y="0"/>
+          <a:ext cx="0" cy="0"/>
+          <a:chOff x="0" y="0"/>
+          <a:chExt cx="0" cy="0"/>
+        </a:xfrm>
+      </p:grpSpPr>
+      <p:sp>
+        <p:nvSpPr>
+          <p:cNvPr id="2" name="Slide Image Placeholder 1"/>
+          <p:cNvSpPr>
+            <a:spLocks noGrp="1" noRot="1" noChangeAspect="1"/>
+          </p:cNvSpPr>
+          <p:nvPr>
+            <p:ph type="sldImg"/>
+          </p:nvPr>
+        </p:nvSpPr>
+        <p:spPr/>
+      </p:sp>
+      <p:sp>
+        <p:nvSpPr>
+          <p:cNvPr id="3" name="Notes Placeholder 2"/>
+          <p:cNvSpPr>
+            <a:spLocks noGrp="1"/>
+          </p:cNvSpPr>
+          <p:nvPr>
+            <p:ph type="body" idx="1"/>
+          </p:nvPr>
+        </p:nvSpPr>
+        <p:spPr/>
+        <p:txBody>
+          <a:bodyPr/>
+          <a:lstStyle/>
+          <a:p>
+            <a:r>
+              <a:rPr lang="en-US" dirty="0" smtClean="0"/>
+              <a:t>Incentivize education and participation through competition</a:t>
+            </a:r>
+          </a:p>
+          <a:p>
+            <a:r>
+              <a:rPr lang="en-US" dirty="0" smtClean="0"/>
+              <a:t>Provide group participation, with winning group decided by more points earned by participants in given timeframe</a:t>
+            </a:r>
+          </a:p>
+          <a:p>
+            <a:r>
+              <a:rPr lang="en-US" dirty="0" smtClean="0"/>
+              <a:t>Allow friends to challenge each other to quizzes on hunger information, with winner earning points</a:t>
+            </a:r>
+          </a:p>
+          <a:p>
+            <a:r>
+              <a:rPr lang="en-US" dirty="0" smtClean="0"/>
+              <a:t>Connect through a variety of social media and share participation activity in the app</a:t>
+            </a:r>
+          </a:p>
+          <a:p>
+            <a:r>
+              <a:rPr lang="en-US" dirty="0" smtClean="0"/>
+              <a:t>Points can be earned by purchasing participating products</a:t>
+            </a:r>
+          </a:p>
+          <a:p>
+            <a:endParaRPr lang="en-US" dirty="0"/>
+          </a:p>
+        </p:txBody>
+      </p:sp>
+      <p:sp>
+        <p:nvSpPr>
+          <p:cNvPr id="4" name="Slide Number Placeholder 3"/>
+          <p:cNvSpPr>
+            <a:spLocks noGrp="1"/>
+          </p:cNvSpPr>
+          <p:nvPr>
+            <p:ph type="sldNum" sz="quarter" idx="10"/>
+          </p:nvPr>
+        </p:nvSpPr>
+        <p:spPr/>
+        <p:txBody>
+          <a:bodyPr/>
+          <a:lstStyle/>
+          <a:p>
+            <a:fld id="{7D14BCBE-C63A-40CD-B078-61D91270076D}" type="slidenum">
+              <a:rPr lang="en-US" smtClean="0"/>
+              <a:t>2</a:t>
+            </a:fld>
+            <a:endParaRPr lang="en-US"/>
+          </a:p>
+        </p:txBody>
+      </p:sp>
+    </p:spTree>
+    <p:extLst>
+      <p:ext uri="{BB962C8B-B14F-4D97-AF65-F5344CB8AC3E}">
+        <p14:creationId xmlns:p14="http://schemas.microsoft.com/office/powerpoint/2010/main" val="2711550667"/>
+      </p:ext>
+    </p:extLst>
+  </p:cSld>
+  <p:clrMapOvr>
+    <a:masterClrMapping/>
+  </p:clrMapOvr>
+</p:notes>
+</file>
+
+<file path=ppt/notesSlides/notesSlide2.xml><?xml version="1.0" encoding="utf-8"?>
+<p:notes xmlns:a="http://schemas.openxmlformats.org/drawingml/2006/main" xmlns:r="http://schemas.openxmlformats.org/officeDocument/2006/relationships" xmlns:p="http://schemas.openxmlformats.org/presentationml/2006/main">
+  <p:cSld>
+    <p:spTree>
+      <p:nvGrpSpPr>
+        <p:cNvPr id="1" name=""/>
+        <p:cNvGrpSpPr/>
+        <p:nvPr/>
+      </p:nvGrpSpPr>
+      <p:grpSpPr>
+        <a:xfrm>
+          <a:off x="0" y="0"/>
+          <a:ext cx="0" cy="0"/>
+          <a:chOff x="0" y="0"/>
+          <a:chExt cx="0" cy="0"/>
+        </a:xfrm>
+      </p:grpSpPr>
+      <p:sp>
+        <p:nvSpPr>
+          <p:cNvPr id="2" name="Slide Image Placeholder 1"/>
+          <p:cNvSpPr>
+            <a:spLocks noGrp="1" noRot="1" noChangeAspect="1"/>
+          </p:cNvSpPr>
+          <p:nvPr>
+            <p:ph type="sldImg"/>
+          </p:nvPr>
+        </p:nvSpPr>
+        <p:spPr/>
+      </p:sp>
+      <p:sp>
+        <p:nvSpPr>
+          <p:cNvPr id="3" name="Notes Placeholder 2"/>
+          <p:cNvSpPr>
+            <a:spLocks noGrp="1"/>
+          </p:cNvSpPr>
+          <p:nvPr>
+            <p:ph type="body" idx="1"/>
+          </p:nvPr>
+        </p:nvSpPr>
+        <p:spPr/>
+        <p:txBody>
+          <a:bodyPr/>
+          <a:lstStyle/>
+          <a:p>
+            <a:r>
+              <a:rPr lang="en-US" dirty="0" smtClean="0"/>
+              <a:t>A way to store user data</a:t>
+            </a:r>
+          </a:p>
+          <a:p>
+            <a:r>
+              <a:rPr lang="en-US" dirty="0" smtClean="0"/>
+              <a:t>Multiple-platform web application for users to track their points and competitions with other groups</a:t>
+            </a:r>
+          </a:p>
+          <a:p>
+            <a:r>
+              <a:rPr lang="en-US" dirty="0" smtClean="0"/>
+              <a:t>Think team-building exercise for corporate groups, or large-scale competitions between universities/organizations that could be incentivized by other prizes provided by event organizers</a:t>
+            </a:r>
+          </a:p>
+          <a:p>
+            <a:r>
+              <a:rPr lang="en-US" dirty="0" smtClean="0"/>
+              <a:t>Easy system to update points based on purchases</a:t>
+            </a:r>
+          </a:p>
+          <a:p>
+            <a:endParaRPr lang="en-US" dirty="0"/>
+          </a:p>
+        </p:txBody>
+      </p:sp>
+      <p:sp>
+        <p:nvSpPr>
+          <p:cNvPr id="4" name="Slide Number Placeholder 3"/>
+          <p:cNvSpPr>
+            <a:spLocks noGrp="1"/>
+          </p:cNvSpPr>
+          <p:nvPr>
+            <p:ph type="sldNum" sz="quarter" idx="10"/>
+          </p:nvPr>
+        </p:nvSpPr>
+        <p:spPr/>
+        <p:txBody>
+          <a:bodyPr/>
+          <a:lstStyle/>
+          <a:p>
+            <a:fld id="{7D14BCBE-C63A-40CD-B078-61D91270076D}" type="slidenum">
+              <a:rPr lang="en-US" smtClean="0"/>
+              <a:t>3</a:t>
+            </a:fld>
+            <a:endParaRPr lang="en-US"/>
+          </a:p>
+        </p:txBody>
+      </p:sp>
+    </p:spTree>
+    <p:extLst>
+      <p:ext uri="{BB962C8B-B14F-4D97-AF65-F5344CB8AC3E}">
+        <p14:creationId xmlns:p14="http://schemas.microsoft.com/office/powerpoint/2010/main" val="3746446703"/>
+      </p:ext>
+    </p:extLst>
+  </p:cSld>
+  <p:clrMapOvr>
+    <a:masterClrMapping/>
+  </p:clrMapOvr>
+</p:notes>
+</file>
+
+<file path=ppt/notesSlides/notesSlide3.xml><?xml version="1.0" encoding="utf-8"?>
+<p:notes xmlns:a="http://schemas.openxmlformats.org/drawingml/2006/main" xmlns:r="http://schemas.openxmlformats.org/officeDocument/2006/relationships" xmlns:p="http://schemas.openxmlformats.org/presentationml/2006/main">
+  <p:cSld>
+    <p:spTree>
+      <p:nvGrpSpPr>
+        <p:cNvPr id="1" name=""/>
+        <p:cNvGrpSpPr/>
+        <p:nvPr/>
+      </p:nvGrpSpPr>
+      <p:grpSpPr>
+        <a:xfrm>
+          <a:off x="0" y="0"/>
+          <a:ext cx="0" cy="0"/>
+          <a:chOff x="0" y="0"/>
+          <a:chExt cx="0" cy="0"/>
+        </a:xfrm>
+      </p:grpSpPr>
+      <p:sp>
+        <p:nvSpPr>
+          <p:cNvPr id="2" name="Slide Image Placeholder 1"/>
+          <p:cNvSpPr>
+            <a:spLocks noGrp="1" noRot="1" noChangeAspect="1"/>
+          </p:cNvSpPr>
+          <p:nvPr>
+            <p:ph type="sldImg"/>
+          </p:nvPr>
+        </p:nvSpPr>
+        <p:spPr/>
+      </p:sp>
+      <p:sp>
+        <p:nvSpPr>
+          <p:cNvPr id="3" name="Notes Placeholder 2"/>
+          <p:cNvSpPr>
+            <a:spLocks noGrp="1"/>
+          </p:cNvSpPr>
+          <p:nvPr>
+            <p:ph type="body" idx="1"/>
+          </p:nvPr>
+        </p:nvSpPr>
+        <p:spPr/>
+        <p:txBody>
+          <a:bodyPr/>
+          <a:lstStyle/>
+          <a:p>
+            <a:r>
+              <a:rPr lang="en-US" dirty="0" smtClean="0"/>
+              <a:t>Application consists of decent user interface and allows a user to log in and track points with a theoretical group of other users</a:t>
+            </a:r>
+          </a:p>
+          <a:p>
+            <a:r>
+              <a:rPr lang="en-US" dirty="0" smtClean="0"/>
+              <a:t>Basic competition infrastructure allows teams to compete against each other with a clean and clear scoreboard</a:t>
+            </a:r>
+          </a:p>
+          <a:p>
+            <a:r>
+              <a:rPr lang="en-US" dirty="0" smtClean="0"/>
+              <a:t>Simple menu to input products purchased, points are registered immediately</a:t>
+            </a:r>
+          </a:p>
+          <a:p>
+            <a:pPr marL="0" indent="0">
+              <a:buNone/>
+            </a:pPr>
+            <a:endParaRPr lang="en-US" dirty="0" smtClean="0"/>
+          </a:p>
+          <a:p>
+            <a:endParaRPr lang="en-US" dirty="0"/>
+          </a:p>
+        </p:txBody>
+      </p:sp>
+      <p:sp>
+        <p:nvSpPr>
+          <p:cNvPr id="4" name="Slide Number Placeholder 3"/>
+          <p:cNvSpPr>
+            <a:spLocks noGrp="1"/>
+          </p:cNvSpPr>
+          <p:nvPr>
+            <p:ph type="sldNum" sz="quarter" idx="10"/>
+          </p:nvPr>
+        </p:nvSpPr>
+        <p:spPr/>
+        <p:txBody>
+          <a:bodyPr/>
+          <a:lstStyle/>
+          <a:p>
+            <a:fld id="{7D14BCBE-C63A-40CD-B078-61D91270076D}" type="slidenum">
+              <a:rPr lang="en-US" smtClean="0"/>
+              <a:t>4</a:t>
+            </a:fld>
+            <a:endParaRPr lang="en-US"/>
+          </a:p>
+        </p:txBody>
+      </p:sp>
+    </p:spTree>
+    <p:extLst>
+      <p:ext uri="{BB962C8B-B14F-4D97-AF65-F5344CB8AC3E}">
+        <p14:creationId xmlns:p14="http://schemas.microsoft.com/office/powerpoint/2010/main" val="2786392918"/>
+      </p:ext>
+    </p:extLst>
+  </p:cSld>
+  <p:clrMapOvr>
+    <a:masterClrMapping/>
+  </p:clrMapOvr>
+</p:notes>
+</file>
+
+<file path=ppt/notesSlides/notesSlide4.xml><?xml version="1.0" encoding="utf-8"?>
+<p:notes xmlns:a="http://schemas.openxmlformats.org/drawingml/2006/main" xmlns:r="http://schemas.openxmlformats.org/officeDocument/2006/relationships" xmlns:p="http://schemas.openxmlformats.org/presentationml/2006/main">
+  <p:cSld>
+    <p:spTree>
+      <p:nvGrpSpPr>
+        <p:cNvPr id="1" name=""/>
+        <p:cNvGrpSpPr/>
+        <p:nvPr/>
+      </p:nvGrpSpPr>
+      <p:grpSpPr>
+        <a:xfrm>
+          <a:off x="0" y="0"/>
+          <a:ext cx="0" cy="0"/>
+          <a:chOff x="0" y="0"/>
+          <a:chExt cx="0" cy="0"/>
+        </a:xfrm>
+      </p:grpSpPr>
+      <p:sp>
+        <p:nvSpPr>
+          <p:cNvPr id="2" name="Slide Image Placeholder 1"/>
+          <p:cNvSpPr>
+            <a:spLocks noGrp="1" noRot="1" noChangeAspect="1"/>
+          </p:cNvSpPr>
+          <p:nvPr>
+            <p:ph type="sldImg"/>
+          </p:nvPr>
+        </p:nvSpPr>
+        <p:spPr/>
+      </p:sp>
+      <p:sp>
+        <p:nvSpPr>
+          <p:cNvPr id="3" name="Notes Placeholder 2"/>
+          <p:cNvSpPr>
+            <a:spLocks noGrp="1"/>
+          </p:cNvSpPr>
+          <p:nvPr>
+            <p:ph type="body" idx="1"/>
+          </p:nvPr>
+        </p:nvSpPr>
+        <p:spPr/>
+        <p:txBody>
+          <a:bodyPr/>
+          <a:lstStyle/>
+          <a:p>
+            <a:r>
+              <a:rPr lang="en-US" dirty="0" smtClean="0"/>
+              <a:t>Verification on purchases by users</a:t>
+            </a:r>
+          </a:p>
+          <a:p>
+            <a:r>
+              <a:rPr lang="en-US" dirty="0" smtClean="0"/>
+              <a:t>Structured database of user data</a:t>
+            </a:r>
+          </a:p>
+          <a:p>
+            <a:r>
+              <a:rPr lang="en-US" dirty="0" smtClean="0"/>
+              <a:t>Challenge others to quizzes that can be completed for points</a:t>
+            </a:r>
+          </a:p>
+          <a:p>
+            <a:r>
+              <a:rPr lang="en-US" dirty="0" smtClean="0"/>
+              <a:t>Social media integration and point rewards for doing so</a:t>
+            </a:r>
+          </a:p>
+          <a:p>
+            <a:endParaRPr lang="en-US" dirty="0"/>
+          </a:p>
+        </p:txBody>
+      </p:sp>
+      <p:sp>
+        <p:nvSpPr>
+          <p:cNvPr id="4" name="Slide Number Placeholder 3"/>
+          <p:cNvSpPr>
+            <a:spLocks noGrp="1"/>
+          </p:cNvSpPr>
+          <p:nvPr>
+            <p:ph type="sldNum" sz="quarter" idx="10"/>
+          </p:nvPr>
+        </p:nvSpPr>
+        <p:spPr/>
+        <p:txBody>
+          <a:bodyPr/>
+          <a:lstStyle/>
+          <a:p>
+            <a:fld id="{7D14BCBE-C63A-40CD-B078-61D91270076D}" type="slidenum">
+              <a:rPr lang="en-US" smtClean="0"/>
+              <a:t>5</a:t>
+            </a:fld>
+            <a:endParaRPr lang="en-US"/>
+          </a:p>
+        </p:txBody>
+      </p:sp>
+    </p:spTree>
+    <p:extLst>
+      <p:ext uri="{BB962C8B-B14F-4D97-AF65-F5344CB8AC3E}">
+        <p14:creationId xmlns:p14="http://schemas.microsoft.com/office/powerpoint/2010/main" val="3264005548"/>
+      </p:ext>
+    </p:extLst>
+  </p:cSld>
+  <p:clrMapOvr>
+    <a:masterClrMapping/>
+  </p:clrMapOvr>
+</p:notes>
 </file>
 
 <file path=ppt/slideLayouts/slideLayout1.xml><?xml version="1.0" encoding="utf-8"?>
@@ -7714,6 +8510,13 @@
   <p:clrMapOvr>
     <a:masterClrMapping/>
   </p:clrMapOvr>
+  <p:timing>
+    <p:tnLst>
+      <p:par>
+        <p:cTn id="1" dur="indefinite" restart="never" nodeType="tmRoot"/>
+      </p:par>
+    </p:tnLst>
+  </p:timing>
 </p:sld>
 </file>
 
@@ -7778,32 +8581,39 @@
           <a:p>
             <a:r>
               <a:rPr lang="en-US" dirty="0"/>
-              <a:t>Incentivize education and participation through competition</a:t>
-            </a:r>
-          </a:p>
-          <a:p>
-            <a:r>
-              <a:rPr lang="en-US" dirty="0"/>
-              <a:t>Provide group participation, with winning group decided by more points earned by participants in given timeframe</a:t>
-            </a:r>
-          </a:p>
-          <a:p>
-            <a:r>
-              <a:rPr lang="en-US" dirty="0"/>
-              <a:t>Allow friends to challenge each other to quizzes on hunger information, with winner earning points</a:t>
-            </a:r>
-          </a:p>
-          <a:p>
-            <a:r>
-              <a:rPr lang="en-US" dirty="0"/>
-              <a:t>Connect through a variety of social media and share participation activity in the app</a:t>
-            </a:r>
-          </a:p>
-          <a:p>
-            <a:r>
-              <a:rPr lang="en-US" dirty="0"/>
-              <a:t>Points can be earned by purchasing participating products</a:t>
-            </a:r>
+              <a:t>Incentivize </a:t>
+            </a:r>
+            <a:r>
+              <a:rPr lang="en-US" dirty="0" smtClean="0"/>
+              <a:t>education/participation</a:t>
+            </a:r>
+          </a:p>
+          <a:p>
+            <a:r>
+              <a:rPr lang="en-US" dirty="0" smtClean="0"/>
+              <a:t>Group participation</a:t>
+            </a:r>
+          </a:p>
+          <a:p>
+            <a:r>
+              <a:rPr lang="en-US" dirty="0" smtClean="0"/>
+              <a:t>Challenge friends</a:t>
+            </a:r>
+            <a:endParaRPr lang="en-US" dirty="0"/>
+          </a:p>
+          <a:p>
+            <a:r>
+              <a:rPr lang="en-US" dirty="0" smtClean="0"/>
+              <a:t>Social Media push</a:t>
+            </a:r>
+            <a:endParaRPr lang="en-US" dirty="0"/>
+          </a:p>
+          <a:p>
+            <a:r>
+              <a:rPr lang="en-US" dirty="0" smtClean="0"/>
+              <a:t>Product purchases</a:t>
+            </a:r>
+            <a:endParaRPr lang="en-US" dirty="0"/>
           </a:p>
         </p:txBody>
       </p:sp>
@@ -7817,6 +8627,13 @@
   <p:clrMapOvr>
     <a:masterClrMapping/>
   </p:clrMapOvr>
+  <p:timing>
+    <p:tnLst>
+      <p:par>
+        <p:cTn id="1" dur="indefinite" restart="never" nodeType="tmRoot"/>
+      </p:par>
+    </p:tnLst>
+  </p:timing>
 </p:sld>
 </file>
 
@@ -7875,27 +8692,41 @@
           <a:lstStyle/>
           <a:p>
             <a:r>
+              <a:rPr lang="en-US" dirty="0" smtClean="0"/>
+              <a:t>Store data</a:t>
+            </a:r>
+            <a:endParaRPr lang="en-US" dirty="0"/>
+          </a:p>
+          <a:p>
+            <a:r>
+              <a:rPr lang="en-US" dirty="0" smtClean="0"/>
+              <a:t>Multiple-platform</a:t>
+            </a:r>
+          </a:p>
+          <a:p>
+            <a:r>
+              <a:rPr lang="en-US" dirty="0" smtClean="0"/>
+              <a:t>Track points</a:t>
+            </a:r>
+            <a:endParaRPr lang="en-US" dirty="0" smtClean="0"/>
+          </a:p>
+          <a:p>
+            <a:r>
+              <a:rPr lang="en-US" dirty="0" smtClean="0"/>
+              <a:t>Team-building and incentives</a:t>
+            </a:r>
+            <a:endParaRPr lang="en-US" dirty="0"/>
+          </a:p>
+          <a:p>
+            <a:r>
               <a:rPr lang="en-US" dirty="0"/>
-              <a:t>A way to store user data</a:t>
-            </a:r>
-          </a:p>
-          <a:p>
-            <a:r>
-              <a:rPr lang="en-US" dirty="0"/>
-              <a:t>Multiple-platform web application for users to track their points and competitions with other groups</a:t>
-            </a:r>
-          </a:p>
-          <a:p>
-            <a:r>
-              <a:rPr lang="en-US" dirty="0"/>
-              <a:t>Think team-building exercise for corporate groups, or large-scale competitions between universities/organizations that could be incentivized by other prizes provided by event organizers</a:t>
-            </a:r>
-          </a:p>
-          <a:p>
-            <a:r>
-              <a:rPr lang="en-US" dirty="0"/>
-              <a:t>Easy system to update points based on purchases</a:t>
-            </a:r>
+              <a:t>Easy </a:t>
+            </a:r>
+            <a:r>
+              <a:rPr lang="en-US" dirty="0" smtClean="0"/>
+              <a:t>to update points</a:t>
+            </a:r>
+            <a:endParaRPr lang="en-US" dirty="0"/>
           </a:p>
         </p:txBody>
       </p:sp>
@@ -7909,6 +8740,13 @@
   <p:clrMapOvr>
     <a:masterClrMapping/>
   </p:clrMapOvr>
+  <p:timing>
+    <p:tnLst>
+      <p:par>
+        <p:cTn id="1" dur="indefinite" restart="never" nodeType="tmRoot"/>
+      </p:par>
+    </p:tnLst>
+  </p:timing>
 </p:sld>
 </file>
 
@@ -7967,26 +8805,55 @@
           <a:lstStyle/>
           <a:p>
             <a:r>
+              <a:rPr lang="en-US" dirty="0" smtClean="0"/>
+              <a:t>Decent user interface</a:t>
+            </a:r>
+          </a:p>
+          <a:p>
+            <a:pPr lvl="1"/>
+            <a:r>
+              <a:rPr lang="en-US" dirty="0" smtClean="0"/>
+              <a:t>Track points in groups</a:t>
+            </a:r>
+            <a:endParaRPr lang="en-US" dirty="0"/>
+          </a:p>
+          <a:p>
+            <a:r>
               <a:rPr lang="en-US" dirty="0"/>
-              <a:t>Application consists of decent user interface and allows a user to log in and track points with a theoretical group of other users</a:t>
-            </a:r>
-          </a:p>
-          <a:p>
-            <a:r>
-              <a:rPr lang="en-US" dirty="0"/>
-              <a:t>Basic competition infrastructure allows teams to compete against each other with a clean and clear scoreboard</a:t>
-            </a:r>
-          </a:p>
-          <a:p>
-            <a:r>
-              <a:rPr lang="en-US" dirty="0"/>
-              <a:t>Simple menu to input products purchased, points are registered immediately</a:t>
-            </a:r>
-          </a:p>
-          <a:p>
-            <a:pPr marL="0" indent="0">
-              <a:buNone/>
-            </a:pPr>
+              <a:t>Basic </a:t>
+            </a:r>
+            <a:r>
+              <a:rPr lang="en-US" dirty="0" smtClean="0"/>
+              <a:t>competition infrastructure</a:t>
+            </a:r>
+          </a:p>
+          <a:p>
+            <a:pPr lvl="1"/>
+            <a:r>
+              <a:rPr lang="en-US" dirty="0" smtClean="0"/>
+              <a:t>Clear scoreboard</a:t>
+            </a:r>
+            <a:endParaRPr lang="en-US" dirty="0"/>
+          </a:p>
+          <a:p>
+            <a:r>
+              <a:rPr lang="en-US" dirty="0" smtClean="0"/>
+              <a:t>Simple menu</a:t>
+            </a:r>
+          </a:p>
+          <a:p>
+            <a:pPr lvl="1"/>
+            <a:r>
+              <a:rPr lang="en-US" dirty="0" smtClean="0"/>
+              <a:t>Input products purchased</a:t>
+            </a:r>
+          </a:p>
+          <a:p>
+            <a:pPr lvl="1"/>
+            <a:r>
+              <a:rPr lang="en-US" dirty="0" smtClean="0"/>
+              <a:t>Points registered immediately</a:t>
+            </a:r>
             <a:endParaRPr lang="en-US" dirty="0"/>
           </a:p>
         </p:txBody>
@@ -8060,26 +8927,49 @@
           <a:p>
             <a:r>
               <a:rPr lang="en-US" dirty="0"/>
-              <a:t>Verification on purchases by users</a:t>
-            </a:r>
+              <a:t>Verification on </a:t>
+            </a:r>
+            <a:r>
+              <a:rPr lang="en-US" dirty="0" smtClean="0"/>
+              <a:t>purchases</a:t>
+            </a:r>
+            <a:endParaRPr lang="en-US" dirty="0"/>
           </a:p>
           <a:p>
             <a:r>
               <a:rPr lang="en-US" dirty="0"/>
-              <a:t>Structured database of user data</a:t>
-            </a:r>
+              <a:t>Structured </a:t>
+            </a:r>
+            <a:r>
+              <a:rPr lang="en-US" dirty="0" smtClean="0"/>
+              <a:t>database</a:t>
+            </a:r>
+            <a:endParaRPr lang="en-US" dirty="0"/>
           </a:p>
           <a:p>
             <a:r>
               <a:rPr lang="en-US" dirty="0"/>
-              <a:t>Challenge others to quizzes that can be completed for points</a:t>
-            </a:r>
-          </a:p>
-          <a:p>
+              <a:t>Challenge others to </a:t>
+            </a:r>
+            <a:r>
+              <a:rPr lang="en-US" dirty="0" smtClean="0"/>
+              <a:t>quizzes</a:t>
+            </a:r>
+          </a:p>
+          <a:p>
+            <a:r>
+              <a:rPr lang="en-US" dirty="0" smtClean="0"/>
+              <a:t>Social </a:t>
+            </a:r>
             <a:r>
               <a:rPr lang="en-US" dirty="0"/>
-              <a:t>Social media integration and point rewards for doing so</a:t>
-            </a:r>
+              <a:t>media </a:t>
+            </a:r>
+            <a:r>
+              <a:rPr lang="en-US" dirty="0" smtClean="0"/>
+              <a:t>integration</a:t>
+            </a:r>
+            <a:endParaRPr lang="en-US" dirty="0"/>
           </a:p>
         </p:txBody>
       </p:sp>
@@ -8099,7 +8989,7 @@
 <file path=ppt/theme/theme1.xml><?xml version="1.0" encoding="utf-8"?>
 <a:theme xmlns:a="http://schemas.openxmlformats.org/drawingml/2006/main" name="Berlin">
   <a:themeElements>
-    <a:clrScheme name="Berlin">
+    <a:clrScheme name="Red Orange">
       <a:dk1>
         <a:sysClr val="windowText" lastClr="000000"/>
       </a:dk1>
@@ -8107,34 +8997,34 @@
         <a:sysClr val="window" lastClr="FFFFFF"/>
       </a:lt1>
       <a:dk2>
-        <a:srgbClr val="9D360E"/>
+        <a:srgbClr val="505046"/>
       </a:dk2>
       <a:lt2>
-        <a:srgbClr val="E7E6E6"/>
+        <a:srgbClr val="EEECE1"/>
       </a:lt2>
       <a:accent1>
-        <a:srgbClr val="F09415"/>
+        <a:srgbClr val="E84C22"/>
       </a:accent1>
       <a:accent2>
-        <a:srgbClr val="C1B56B"/>
+        <a:srgbClr val="FFBD47"/>
       </a:accent2>
       <a:accent3>
-        <a:srgbClr val="4BAF73"/>
+        <a:srgbClr val="B64926"/>
       </a:accent3>
       <a:accent4>
-        <a:srgbClr val="5AA6C0"/>
+        <a:srgbClr val="FF8427"/>
       </a:accent4>
       <a:accent5>
-        <a:srgbClr val="D17DF9"/>
+        <a:srgbClr val="CC9900"/>
       </a:accent5>
       <a:accent6>
-        <a:srgbClr val="FA7E5C"/>
+        <a:srgbClr val="B22600"/>
       </a:accent6>
       <a:hlink>
-        <a:srgbClr val="FFAE3E"/>
+        <a:srgbClr val="CC9900"/>
       </a:hlink>
       <a:folHlink>
-        <a:srgbClr val="FCC77E"/>
+        <a:srgbClr val="666699"/>
       </a:folHlink>
     </a:clrScheme>
     <a:fontScheme name="Berlin">
@@ -8348,4 +9238,265 @@
     </a:ext>
   </a:extLst>
 </a:theme>
+</file>
+
+<file path=ppt/theme/theme2.xml><?xml version="1.0" encoding="utf-8"?>
+<a:theme xmlns:a="http://schemas.openxmlformats.org/drawingml/2006/main" name="Office Theme">
+  <a:themeElements>
+    <a:clrScheme name="Office">
+      <a:dk1>
+        <a:sysClr val="windowText" lastClr="000000"/>
+      </a:dk1>
+      <a:lt1>
+        <a:sysClr val="window" lastClr="FFFFFF"/>
+      </a:lt1>
+      <a:dk2>
+        <a:srgbClr val="44546A"/>
+      </a:dk2>
+      <a:lt2>
+        <a:srgbClr val="E7E6E6"/>
+      </a:lt2>
+      <a:accent1>
+        <a:srgbClr val="5B9BD5"/>
+      </a:accent1>
+      <a:accent2>
+        <a:srgbClr val="ED7D31"/>
+      </a:accent2>
+      <a:accent3>
+        <a:srgbClr val="A5A5A5"/>
+      </a:accent3>
+      <a:accent4>
+        <a:srgbClr val="FFC000"/>
+      </a:accent4>
+      <a:accent5>
+        <a:srgbClr val="4472C4"/>
+      </a:accent5>
+      <a:accent6>
+        <a:srgbClr val="70AD47"/>
+      </a:accent6>
+      <a:hlink>
+        <a:srgbClr val="0563C1"/>
+      </a:hlink>
+      <a:folHlink>
+        <a:srgbClr val="954F72"/>
+      </a:folHlink>
+    </a:clrScheme>
+    <a:fontScheme name="Office">
+      <a:majorFont>
+        <a:latin typeface="Calibri Light" panose="020F0302020204030204"/>
+        <a:ea typeface=""/>
+        <a:cs typeface=""/>
+        <a:font script="Jpan" typeface="ＭＳ Ｐゴシック"/>
+        <a:font script="Hang" typeface="맑은 고딕"/>
+        <a:font script="Hans" typeface="宋体"/>
+        <a:font script="Hant" typeface="新細明體"/>
+        <a:font script="Arab" typeface="Times New Roman"/>
+        <a:font script="Hebr" typeface="Times New Roman"/>
+        <a:font script="Thai" typeface="Angsana New"/>
+        <a:font script="Ethi" typeface="Nyala"/>
+        <a:font script="Beng" typeface="Vrinda"/>
+        <a:font script="Gujr" typeface="Shruti"/>
+        <a:font script="Khmr" typeface="MoolBoran"/>
+        <a:font script="Knda" typeface="Tunga"/>
+        <a:font script="Guru" typeface="Raavi"/>
+        <a:font script="Cans" typeface="Euphemia"/>
+        <a:font script="Cher" typeface="Plantagenet Cherokee"/>
+        <a:font script="Yiii" typeface="Microsoft Yi Baiti"/>
+        <a:font script="Tibt" typeface="Microsoft Himalaya"/>
+        <a:font script="Thaa" typeface="MV Boli"/>
+        <a:font script="Deva" typeface="Mangal"/>
+        <a:font script="Telu" typeface="Gautami"/>
+        <a:font script="Taml" typeface="Latha"/>
+        <a:font script="Syrc" typeface="Estrangelo Edessa"/>
+        <a:font script="Orya" typeface="Kalinga"/>
+        <a:font script="Mlym" typeface="Kartika"/>
+        <a:font script="Laoo" typeface="DokChampa"/>
+        <a:font script="Sinh" typeface="Iskoola Pota"/>
+        <a:font script="Mong" typeface="Mongolian Baiti"/>
+        <a:font script="Viet" typeface="Times New Roman"/>
+        <a:font script="Uigh" typeface="Microsoft Uighur"/>
+        <a:font script="Geor" typeface="Sylfaen"/>
+      </a:majorFont>
+      <a:minorFont>
+        <a:latin typeface="Calibri" panose="020F0502020204030204"/>
+        <a:ea typeface=""/>
+        <a:cs typeface=""/>
+        <a:font script="Jpan" typeface="ＭＳ Ｐゴシック"/>
+        <a:font script="Hang" typeface="맑은 고딕"/>
+        <a:font script="Hans" typeface="宋体"/>
+        <a:font script="Hant" typeface="新細明體"/>
+        <a:font script="Arab" typeface="Arial"/>
+        <a:font script="Hebr" typeface="Arial"/>
+        <a:font script="Thai" typeface="Cordia New"/>
+        <a:font script="Ethi" typeface="Nyala"/>
+        <a:font script="Beng" typeface="Vrinda"/>
+        <a:font script="Gujr" typeface="Shruti"/>
+        <a:font script="Khmr" typeface="DaunPenh"/>
+        <a:font script="Knda" typeface="Tunga"/>
+        <a:font script="Guru" typeface="Raavi"/>
+        <a:font script="Cans" typeface="Euphemia"/>
+        <a:font script="Cher" typeface="Plantagenet Cherokee"/>
+        <a:font script="Yiii" typeface="Microsoft Yi Baiti"/>
+        <a:font script="Tibt" typeface="Microsoft Himalaya"/>
+        <a:font script="Thaa" typeface="MV Boli"/>
+        <a:font script="Deva" typeface="Mangal"/>
+        <a:font script="Telu" typeface="Gautami"/>
+        <a:font script="Taml" typeface="Latha"/>
+        <a:font script="Syrc" typeface="Estrangelo Edessa"/>
+        <a:font script="Orya" typeface="Kalinga"/>
+        <a:font script="Mlym" typeface="Kartika"/>
+        <a:font script="Laoo" typeface="DokChampa"/>
+        <a:font script="Sinh" typeface="Iskoola Pota"/>
+        <a:font script="Mong" typeface="Mongolian Baiti"/>
+        <a:font script="Viet" typeface="Arial"/>
+        <a:font script="Uigh" typeface="Microsoft Uighur"/>
+        <a:font script="Geor" typeface="Sylfaen"/>
+      </a:minorFont>
+    </a:fontScheme>
+    <a:fmtScheme name="Office">
+      <a:fillStyleLst>
+        <a:solidFill>
+          <a:schemeClr val="phClr"/>
+        </a:solidFill>
+        <a:gradFill rotWithShape="1">
+          <a:gsLst>
+            <a:gs pos="0">
+              <a:schemeClr val="phClr">
+                <a:lumMod val="110000"/>
+                <a:satMod val="105000"/>
+                <a:tint val="67000"/>
+              </a:schemeClr>
+            </a:gs>
+            <a:gs pos="50000">
+              <a:schemeClr val="phClr">
+                <a:lumMod val="105000"/>
+                <a:satMod val="103000"/>
+                <a:tint val="73000"/>
+              </a:schemeClr>
+            </a:gs>
+            <a:gs pos="100000">
+              <a:schemeClr val="phClr">
+                <a:lumMod val="105000"/>
+                <a:satMod val="109000"/>
+                <a:tint val="81000"/>
+              </a:schemeClr>
+            </a:gs>
+          </a:gsLst>
+          <a:lin ang="5400000" scaled="0"/>
+        </a:gradFill>
+        <a:gradFill rotWithShape="1">
+          <a:gsLst>
+            <a:gs pos="0">
+              <a:schemeClr val="phClr">
+                <a:satMod val="103000"/>
+                <a:lumMod val="102000"/>
+                <a:tint val="94000"/>
+              </a:schemeClr>
+            </a:gs>
+            <a:gs pos="50000">
+              <a:schemeClr val="phClr">
+                <a:satMod val="110000"/>
+                <a:lumMod val="100000"/>
+                <a:shade val="100000"/>
+              </a:schemeClr>
+            </a:gs>
+            <a:gs pos="100000">
+              <a:schemeClr val="phClr">
+                <a:lumMod val="99000"/>
+                <a:satMod val="120000"/>
+                <a:shade val="78000"/>
+              </a:schemeClr>
+            </a:gs>
+          </a:gsLst>
+          <a:lin ang="5400000" scaled="0"/>
+        </a:gradFill>
+      </a:fillStyleLst>
+      <a:lnStyleLst>
+        <a:ln w="6350" cap="flat" cmpd="sng" algn="ctr">
+          <a:solidFill>
+            <a:schemeClr val="phClr"/>
+          </a:solidFill>
+          <a:prstDash val="solid"/>
+          <a:miter lim="800000"/>
+        </a:ln>
+        <a:ln w="12700" cap="flat" cmpd="sng" algn="ctr">
+          <a:solidFill>
+            <a:schemeClr val="phClr"/>
+          </a:solidFill>
+          <a:prstDash val="solid"/>
+          <a:miter lim="800000"/>
+        </a:ln>
+        <a:ln w="19050" cap="flat" cmpd="sng" algn="ctr">
+          <a:solidFill>
+            <a:schemeClr val="phClr"/>
+          </a:solidFill>
+          <a:prstDash val="solid"/>
+          <a:miter lim="800000"/>
+        </a:ln>
+      </a:lnStyleLst>
+      <a:effectStyleLst>
+        <a:effectStyle>
+          <a:effectLst/>
+        </a:effectStyle>
+        <a:effectStyle>
+          <a:effectLst/>
+        </a:effectStyle>
+        <a:effectStyle>
+          <a:effectLst>
+            <a:outerShdw blurRad="57150" dist="19050" dir="5400000" algn="ctr" rotWithShape="0">
+              <a:srgbClr val="000000">
+                <a:alpha val="63000"/>
+              </a:srgbClr>
+            </a:outerShdw>
+          </a:effectLst>
+        </a:effectStyle>
+      </a:effectStyleLst>
+      <a:bgFillStyleLst>
+        <a:solidFill>
+          <a:schemeClr val="phClr"/>
+        </a:solidFill>
+        <a:solidFill>
+          <a:schemeClr val="phClr">
+            <a:tint val="95000"/>
+            <a:satMod val="170000"/>
+          </a:schemeClr>
+        </a:solidFill>
+        <a:gradFill rotWithShape="1">
+          <a:gsLst>
+            <a:gs pos="0">
+              <a:schemeClr val="phClr">
+                <a:tint val="93000"/>
+                <a:satMod val="150000"/>
+                <a:shade val="98000"/>
+                <a:lumMod val="102000"/>
+              </a:schemeClr>
+            </a:gs>
+            <a:gs pos="50000">
+              <a:schemeClr val="phClr">
+                <a:tint val="98000"/>
+                <a:satMod val="130000"/>
+                <a:shade val="90000"/>
+                <a:lumMod val="103000"/>
+              </a:schemeClr>
+            </a:gs>
+            <a:gs pos="100000">
+              <a:schemeClr val="phClr">
+                <a:shade val="63000"/>
+                <a:satMod val="120000"/>
+              </a:schemeClr>
+            </a:gs>
+          </a:gsLst>
+          <a:lin ang="5400000" scaled="0"/>
+        </a:gradFill>
+      </a:bgFillStyleLst>
+    </a:fmtScheme>
+  </a:themeElements>
+  <a:objectDefaults/>
+  <a:extraClrSchemeLst/>
+  <a:extLst>
+    <a:ext uri="{05A4C25C-085E-4340-85A3-A5531E510DB2}">
+      <thm15:themeFamily xmlns:thm15="http://schemas.microsoft.com/office/thememl/2012/main" name="Office Theme" id="{62F939B6-93AF-4DB8-9C6B-D6C7DFDC589F}" vid="{4A3C46E8-61CC-4603-A589-7422A47A8E4A}"/>
+    </a:ext>
+  </a:extLst>
+</a:theme>
 </file>
--- a/CodeForGood14.pptx
+++ b/CodeForGood14.pptx
@@ -5,14 +5,15 @@
     <p:sldMasterId id="2147483648" r:id="rId1"/>
   </p:sldMasterIdLst>
   <p:notesMasterIdLst>
-    <p:notesMasterId r:id="rId7"/>
+    <p:notesMasterId r:id="rId8"/>
   </p:notesMasterIdLst>
   <p:sldIdLst>
     <p:sldId id="256" r:id="rId2"/>
     <p:sldId id="257" r:id="rId3"/>
     <p:sldId id="258" r:id="rId4"/>
-    <p:sldId id="259" r:id="rId5"/>
-    <p:sldId id="260" r:id="rId6"/>
+    <p:sldId id="261" r:id="rId5"/>
+    <p:sldId id="259" r:id="rId6"/>
+    <p:sldId id="260" r:id="rId7"/>
   </p:sldIdLst>
   <p:sldSz cx="12192000" cy="6858000"/>
   <p:notesSz cx="6858000" cy="9144000"/>
@@ -780,7 +781,7 @@
           <a:p>
             <a:fld id="{7D14BCBE-C63A-40CD-B078-61D91270076D}" type="slidenum">
               <a:rPr lang="en-US" smtClean="0"/>
-              <a:t>4</a:t>
+              <a:t>5</a:t>
             </a:fld>
             <a:endParaRPr lang="en-US"/>
           </a:p>
@@ -888,7 +889,7 @@
           <a:p>
             <a:fld id="{7D14BCBE-C63A-40CD-B078-61D91270076D}" type="slidenum">
               <a:rPr lang="en-US" smtClean="0"/>
-              <a:t>5</a:t>
+              <a:t>6</a:t>
             </a:fld>
             <a:endParaRPr lang="en-US"/>
           </a:p>
@@ -8442,6 +8443,41 @@
 <file path=ppt/slides/slide1.xml><?xml version="1.0" encoding="utf-8"?>
 <p:sld xmlns:a="http://schemas.openxmlformats.org/drawingml/2006/main" xmlns:r="http://schemas.openxmlformats.org/officeDocument/2006/relationships" xmlns:p="http://schemas.openxmlformats.org/presentationml/2006/main">
   <p:cSld>
+    <p:bg>
+      <p:bgPr>
+        <a:gradFill>
+          <a:gsLst>
+            <a:gs pos="0">
+              <a:schemeClr val="bg2">
+                <a:tint val="96000"/>
+                <a:shade val="100000"/>
+                <a:hueMod val="270000"/>
+                <a:satMod val="200000"/>
+                <a:lumMod val="128000"/>
+              </a:schemeClr>
+            </a:gs>
+            <a:gs pos="0">
+              <a:schemeClr val="bg2">
+                <a:shade val="100000"/>
+                <a:hueMod val="100000"/>
+                <a:satMod val="110000"/>
+                <a:lumMod val="130000"/>
+              </a:schemeClr>
+            </a:gs>
+            <a:gs pos="100000">
+              <a:schemeClr val="bg2">
+                <a:shade val="78000"/>
+                <a:hueMod val="44000"/>
+                <a:satMod val="200000"/>
+                <a:lumMod val="69000"/>
+              </a:schemeClr>
+            </a:gs>
+          </a:gsLst>
+          <a:lin ang="2520000" scaled="0"/>
+        </a:gradFill>
+        <a:effectLst/>
+      </p:bgPr>
+    </p:bg>
     <p:spTree>
       <p:nvGrpSpPr>
         <p:cNvPr id="1" name=""/>
@@ -8472,9 +8508,10 @@
           <a:lstStyle/>
           <a:p>
             <a:r>
-              <a:rPr lang="en-US" dirty="0"/>
-              <a:t>Food Fight</a:t>
-            </a:r>
+              <a:rPr lang="en-US" dirty="0" err="1" smtClean="0"/>
+              <a:t>foodfight</a:t>
+            </a:r>
+            <a:endParaRPr lang="en-US" dirty="0"/>
           </a:p>
         </p:txBody>
       </p:sp>
@@ -8488,15 +8525,67 @@
             <p:ph type="subTitle" idx="1"/>
           </p:nvPr>
         </p:nvSpPr>
-        <p:spPr/>
+        <p:spPr>
+          <a:xfrm>
+            <a:off x="97971" y="4394039"/>
+            <a:ext cx="8726485" cy="1117687"/>
+          </a:xfrm>
+        </p:spPr>
         <p:txBody>
           <a:bodyPr/>
           <a:lstStyle/>
           <a:p>
             <a:r>
               <a:rPr lang="en-US" dirty="0"/>
-              <a:t>Web application by Team 14</a:t>
-            </a:r>
+              <a:t>Web application by Team </a:t>
+            </a:r>
+            <a:r>
+              <a:rPr lang="en-US" dirty="0" smtClean="0"/>
+              <a:t>14</a:t>
+            </a:r>
+          </a:p>
+          <a:p>
+            <a:r>
+              <a:rPr lang="en-US" dirty="0" err="1" smtClean="0"/>
+              <a:t>Avik</a:t>
+            </a:r>
+            <a:r>
+              <a:rPr lang="en-US" dirty="0" smtClean="0"/>
+              <a:t> </a:t>
+            </a:r>
+            <a:r>
+              <a:rPr lang="en-US" dirty="0" err="1" smtClean="0"/>
+              <a:t>Dureja</a:t>
+            </a:r>
+            <a:r>
+              <a:rPr lang="en-US" dirty="0" smtClean="0"/>
+              <a:t>, Janki Patel, Liam </a:t>
+            </a:r>
+            <a:r>
+              <a:rPr lang="en-US" dirty="0" err="1" smtClean="0"/>
+              <a:t>Crumm</a:t>
+            </a:r>
+            <a:r>
+              <a:rPr lang="en-US" dirty="0" smtClean="0"/>
+              <a:t>, Nikhil </a:t>
+            </a:r>
+            <a:r>
+              <a:rPr lang="en-US" dirty="0" err="1" smtClean="0"/>
+              <a:t>Ramanan</a:t>
+            </a:r>
+            <a:r>
+              <a:rPr lang="en-US" dirty="0" smtClean="0"/>
+              <a:t>, </a:t>
+            </a:r>
+            <a:r>
+              <a:rPr lang="en-US" dirty="0" err="1" smtClean="0"/>
+              <a:t>Shobhit</a:t>
+            </a:r>
+            <a:r>
+              <a:rPr lang="en-US" dirty="0" smtClean="0"/>
+              <a:t> Srivastava</a:t>
+            </a:r>
+            <a:endParaRPr lang="en-US" dirty="0"/>
           </a:p>
         </p:txBody>
       </p:sp>
@@ -8617,6 +8706,47 @@
           </a:p>
         </p:txBody>
       </p:sp>
+      <p:pic>
+        <p:nvPicPr>
+          <p:cNvPr id="1026" name="Picture 2" descr="https://scontent-lga3-1.xx.fbcdn.net/v/t34.0-12/14627736_1208917559180382_1935213596_n.png?oh=920ae6df484a4305eeeb0c263081f98f&amp;oe=58054E32"/>
+          <p:cNvPicPr>
+            <a:picLocks noChangeAspect="1" noChangeArrowheads="1"/>
+          </p:cNvPicPr>
+          <p:nvPr/>
+        </p:nvPicPr>
+        <p:blipFill>
+          <a:blip r:embed="rId3">
+            <a:extLst>
+              <a:ext uri="{28A0092B-C50C-407E-A947-70E740481C1C}">
+                <a14:useLocalDpi xmlns:a14="http://schemas.microsoft.com/office/drawing/2010/main" val="0"/>
+              </a:ext>
+            </a:extLst>
+          </a:blip>
+          <a:srcRect/>
+          <a:stretch>
+            <a:fillRect/>
+          </a:stretch>
+        </p:blipFill>
+        <p:spPr bwMode="auto">
+          <a:xfrm>
+            <a:off x="7669882" y="2336872"/>
+            <a:ext cx="2624300" cy="3948947"/>
+          </a:xfrm>
+          <a:prstGeom prst="rect">
+            <a:avLst/>
+          </a:prstGeom>
+          <a:noFill/>
+          <a:extLst>
+            <a:ext uri="{909E8E84-426E-40DD-AFC4-6F175D3DCCD1}">
+              <a14:hiddenFill xmlns:a14="http://schemas.microsoft.com/office/drawing/2010/main">
+                <a:solidFill>
+                  <a:srgbClr val="FFFFFF"/>
+                </a:solidFill>
+              </a14:hiddenFill>
+            </a:ext>
+          </a:extLst>
+        </p:spPr>
+      </p:pic>
     </p:spTree>
     <p:extLst>
       <p:ext uri="{BB962C8B-B14F-4D97-AF65-F5344CB8AC3E}">
@@ -8730,6 +8860,47 @@
           </a:p>
         </p:txBody>
       </p:sp>
+      <p:pic>
+        <p:nvPicPr>
+          <p:cNvPr id="5" name="Picture 2" descr="https://scontent-lga3-1.xx.fbcdn.net/v/t34.0-12/14694630_1208917565847048_84745470_n.png?oh=d7a9e1288f52dd85703aa44e7223a327&amp;oe=58048FAE"/>
+          <p:cNvPicPr>
+            <a:picLocks noChangeAspect="1" noChangeArrowheads="1"/>
+          </p:cNvPicPr>
+          <p:nvPr/>
+        </p:nvPicPr>
+        <p:blipFill>
+          <a:blip r:embed="rId3">
+            <a:extLst>
+              <a:ext uri="{28A0092B-C50C-407E-A947-70E740481C1C}">
+                <a14:useLocalDpi xmlns:a14="http://schemas.microsoft.com/office/drawing/2010/main" val="0"/>
+              </a:ext>
+            </a:extLst>
+          </a:blip>
+          <a:srcRect/>
+          <a:stretch>
+            <a:fillRect/>
+          </a:stretch>
+        </p:blipFill>
+        <p:spPr bwMode="auto">
+          <a:xfrm>
+            <a:off x="7669882" y="2336873"/>
+            <a:ext cx="2624300" cy="3953060"/>
+          </a:xfrm>
+          <a:prstGeom prst="rect">
+            <a:avLst/>
+          </a:prstGeom>
+          <a:noFill/>
+          <a:extLst>
+            <a:ext uri="{909E8E84-426E-40DD-AFC4-6F175D3DCCD1}">
+              <a14:hiddenFill xmlns:a14="http://schemas.microsoft.com/office/drawing/2010/main">
+                <a:solidFill>
+                  <a:srgbClr val="FFFFFF"/>
+                </a:solidFill>
+              </a14:hiddenFill>
+            </a:ext>
+          </a:extLst>
+        </p:spPr>
+      </p:pic>
     </p:spTree>
     <p:extLst>
       <p:ext uri="{BB962C8B-B14F-4D97-AF65-F5344CB8AC3E}">
@@ -8783,9 +8954,10 @@
           <a:lstStyle/>
           <a:p>
             <a:r>
-              <a:rPr lang="en-US" dirty="0"/>
-              <a:t>Product</a:t>
-            </a:r>
+              <a:rPr lang="en-US" dirty="0" smtClean="0"/>
+              <a:t>Technologies</a:t>
+            </a:r>
+            <a:endParaRPr lang="en-US" dirty="0"/>
           </a:p>
         </p:txBody>
       </p:sp>
@@ -8806,62 +8978,74 @@
           <a:p>
             <a:r>
               <a:rPr lang="en-US" dirty="0" smtClean="0"/>
-              <a:t>Decent user interface</a:t>
-            </a:r>
-          </a:p>
-          <a:p>
-            <a:pPr lvl="1"/>
+              <a:t>AngularJS</a:t>
+            </a:r>
+          </a:p>
+          <a:p>
             <a:r>
               <a:rPr lang="en-US" dirty="0" smtClean="0"/>
-              <a:t>Track points in groups</a:t>
-            </a:r>
-            <a:endParaRPr lang="en-US" dirty="0"/>
-          </a:p>
-          <a:p>
-            <a:r>
-              <a:rPr lang="en-US" dirty="0"/>
-              <a:t>Basic </a:t>
-            </a:r>
+              <a:t>Bootstrap</a:t>
+            </a:r>
+          </a:p>
+          <a:p>
             <a:r>
               <a:rPr lang="en-US" dirty="0" smtClean="0"/>
-              <a:t>competition infrastructure</a:t>
-            </a:r>
-          </a:p>
-          <a:p>
-            <a:pPr lvl="1"/>
-            <a:r>
-              <a:rPr lang="en-US" dirty="0" smtClean="0"/>
-              <a:t>Clear scoreboard</a:t>
-            </a:r>
-            <a:endParaRPr lang="en-US" dirty="0"/>
-          </a:p>
-          <a:p>
-            <a:r>
-              <a:rPr lang="en-US" dirty="0" smtClean="0"/>
-              <a:t>Simple menu</a:t>
-            </a:r>
-          </a:p>
-          <a:p>
-            <a:pPr lvl="1"/>
-            <a:r>
-              <a:rPr lang="en-US" dirty="0" smtClean="0"/>
-              <a:t>Input products purchased</a:t>
-            </a:r>
-          </a:p>
-          <a:p>
-            <a:pPr lvl="1"/>
-            <a:r>
-              <a:rPr lang="en-US" dirty="0" smtClean="0"/>
-              <a:t>Points registered immediately</a:t>
-            </a:r>
-            <a:endParaRPr lang="en-US" dirty="0"/>
-          </a:p>
-        </p:txBody>
-      </p:sp>
+              <a:t>Mozilla Firefox Developer Tools</a:t>
+            </a:r>
+          </a:p>
+          <a:p>
+            <a:endParaRPr lang="en-US" dirty="0" smtClean="0"/>
+          </a:p>
+          <a:p>
+            <a:endParaRPr lang="en-US" dirty="0" smtClean="0"/>
+          </a:p>
+        </p:txBody>
+      </p:sp>
+      <p:pic>
+        <p:nvPicPr>
+          <p:cNvPr id="4" name="Picture 4" descr="https://scontent-lga3-1.xx.fbcdn.net/v/t34.0-12/14686683_1208917579180380_1497813632_n.png?oh=5f0a5de1bbc167ef05b0bcc895eaa985&amp;oe=58047851"/>
+          <p:cNvPicPr>
+            <a:picLocks noChangeAspect="1" noChangeArrowheads="1"/>
+          </p:cNvPicPr>
+          <p:nvPr/>
+        </p:nvPicPr>
+        <p:blipFill>
+          <a:blip r:embed="rId2">
+            <a:extLst>
+              <a:ext uri="{28A0092B-C50C-407E-A947-70E740481C1C}">
+                <a14:useLocalDpi xmlns:a14="http://schemas.microsoft.com/office/drawing/2010/main" val="0"/>
+              </a:ext>
+            </a:extLst>
+          </a:blip>
+          <a:srcRect/>
+          <a:stretch>
+            <a:fillRect/>
+          </a:stretch>
+        </p:blipFill>
+        <p:spPr bwMode="auto">
+          <a:xfrm>
+            <a:off x="7630892" y="2336873"/>
+            <a:ext cx="2663290" cy="3953060"/>
+          </a:xfrm>
+          <a:prstGeom prst="rect">
+            <a:avLst/>
+          </a:prstGeom>
+          <a:noFill/>
+          <a:extLst>
+            <a:ext uri="{909E8E84-426E-40DD-AFC4-6F175D3DCCD1}">
+              <a14:hiddenFill xmlns:a14="http://schemas.microsoft.com/office/drawing/2010/main">
+                <a:solidFill>
+                  <a:srgbClr val="FFFFFF"/>
+                </a:solidFill>
+              </a14:hiddenFill>
+            </a:ext>
+          </a:extLst>
+        </p:spPr>
+      </p:pic>
     </p:spTree>
     <p:extLst>
       <p:ext uri="{BB962C8B-B14F-4D97-AF65-F5344CB8AC3E}">
-        <p14:creationId xmlns:p14="http://schemas.microsoft.com/office/powerpoint/2010/main" val="3918328806"/>
+        <p14:creationId xmlns:p14="http://schemas.microsoft.com/office/powerpoint/2010/main" val="294001793"/>
       </p:ext>
     </p:extLst>
   </p:cSld>
@@ -8905,7 +9089,7 @@
           <a:p>
             <a:r>
               <a:rPr lang="en-US" dirty="0"/>
-              <a:t>Potential Features</a:t>
+              <a:t>Product</a:t>
             </a:r>
           </a:p>
         </p:txBody>
@@ -8926,6 +9110,168 @@
           <a:lstStyle/>
           <a:p>
             <a:r>
+              <a:rPr lang="en-US" dirty="0" smtClean="0"/>
+              <a:t>Decent user interface</a:t>
+            </a:r>
+          </a:p>
+          <a:p>
+            <a:pPr lvl="1"/>
+            <a:r>
+              <a:rPr lang="en-US" dirty="0" smtClean="0"/>
+              <a:t>Track points in groups</a:t>
+            </a:r>
+            <a:endParaRPr lang="en-US" dirty="0"/>
+          </a:p>
+          <a:p>
+            <a:r>
+              <a:rPr lang="en-US" dirty="0"/>
+              <a:t>Basic </a:t>
+            </a:r>
+            <a:r>
+              <a:rPr lang="en-US" dirty="0" smtClean="0"/>
+              <a:t>competition infrastructure</a:t>
+            </a:r>
+          </a:p>
+          <a:p>
+            <a:pPr lvl="1"/>
+            <a:r>
+              <a:rPr lang="en-US" dirty="0" smtClean="0"/>
+              <a:t>Clear scoreboard</a:t>
+            </a:r>
+            <a:endParaRPr lang="en-US" dirty="0"/>
+          </a:p>
+          <a:p>
+            <a:r>
+              <a:rPr lang="en-US" dirty="0" smtClean="0"/>
+              <a:t>Simple menu</a:t>
+            </a:r>
+          </a:p>
+          <a:p>
+            <a:pPr lvl="1"/>
+            <a:r>
+              <a:rPr lang="en-US" dirty="0" smtClean="0"/>
+              <a:t>Input products purchased</a:t>
+            </a:r>
+          </a:p>
+          <a:p>
+            <a:pPr lvl="1"/>
+            <a:r>
+              <a:rPr lang="en-US" dirty="0" smtClean="0"/>
+              <a:t>Points registered immediately</a:t>
+            </a:r>
+            <a:endParaRPr lang="en-US" dirty="0"/>
+          </a:p>
+        </p:txBody>
+      </p:sp>
+      <p:pic>
+        <p:nvPicPr>
+          <p:cNvPr id="5" name="Picture 2" descr="https://scontent-lga3-1.xx.fbcdn.net/v/t34.0-12/14696957_1208917569180381_32388345_n.png?oh=73aadb451d8489464976f8de094fd907&amp;oe=58044CC6"/>
+          <p:cNvPicPr>
+            <a:picLocks noChangeAspect="1" noChangeArrowheads="1"/>
+          </p:cNvPicPr>
+          <p:nvPr/>
+        </p:nvPicPr>
+        <p:blipFill>
+          <a:blip r:embed="rId3">
+            <a:extLst>
+              <a:ext uri="{28A0092B-C50C-407E-A947-70E740481C1C}">
+                <a14:useLocalDpi xmlns:a14="http://schemas.microsoft.com/office/drawing/2010/main" val="0"/>
+              </a:ext>
+            </a:extLst>
+          </a:blip>
+          <a:srcRect/>
+          <a:stretch>
+            <a:fillRect/>
+          </a:stretch>
+        </p:blipFill>
+        <p:spPr bwMode="auto">
+          <a:xfrm>
+            <a:off x="7681001" y="2336873"/>
+            <a:ext cx="2613181" cy="3953060"/>
+          </a:xfrm>
+          <a:prstGeom prst="rect">
+            <a:avLst/>
+          </a:prstGeom>
+          <a:noFill/>
+          <a:extLst>
+            <a:ext uri="{909E8E84-426E-40DD-AFC4-6F175D3DCCD1}">
+              <a14:hiddenFill xmlns:a14="http://schemas.microsoft.com/office/drawing/2010/main">
+                <a:solidFill>
+                  <a:srgbClr val="FFFFFF"/>
+                </a:solidFill>
+              </a14:hiddenFill>
+            </a:ext>
+          </a:extLst>
+        </p:spPr>
+      </p:pic>
+    </p:spTree>
+    <p:extLst>
+      <p:ext uri="{BB962C8B-B14F-4D97-AF65-F5344CB8AC3E}">
+        <p14:creationId xmlns:p14="http://schemas.microsoft.com/office/powerpoint/2010/main" val="3918328806"/>
+      </p:ext>
+    </p:extLst>
+  </p:cSld>
+  <p:clrMapOvr>
+    <a:masterClrMapping/>
+  </p:clrMapOvr>
+</p:sld>
+</file>
+
+<file path=ppt/slides/slide6.xml><?xml version="1.0" encoding="utf-8"?>
+<p:sld xmlns:a="http://schemas.openxmlformats.org/drawingml/2006/main" xmlns:r="http://schemas.openxmlformats.org/officeDocument/2006/relationships" xmlns:p="http://schemas.openxmlformats.org/presentationml/2006/main">
+  <p:cSld>
+    <p:spTree>
+      <p:nvGrpSpPr>
+        <p:cNvPr id="1" name=""/>
+        <p:cNvGrpSpPr/>
+        <p:nvPr/>
+      </p:nvGrpSpPr>
+      <p:grpSpPr>
+        <a:xfrm>
+          <a:off x="0" y="0"/>
+          <a:ext cx="0" cy="0"/>
+          <a:chOff x="0" y="0"/>
+          <a:chExt cx="0" cy="0"/>
+        </a:xfrm>
+      </p:grpSpPr>
+      <p:sp>
+        <p:nvSpPr>
+          <p:cNvPr id="2" name="Title 1"/>
+          <p:cNvSpPr>
+            <a:spLocks noGrp="1"/>
+          </p:cNvSpPr>
+          <p:nvPr>
+            <p:ph type="title"/>
+          </p:nvPr>
+        </p:nvSpPr>
+        <p:spPr/>
+        <p:txBody>
+          <a:bodyPr/>
+          <a:lstStyle/>
+          <a:p>
+            <a:r>
+              <a:rPr lang="en-US" dirty="0"/>
+              <a:t>Potential Features</a:t>
+            </a:r>
+          </a:p>
+        </p:txBody>
+      </p:sp>
+      <p:sp>
+        <p:nvSpPr>
+          <p:cNvPr id="3" name="Content Placeholder 2"/>
+          <p:cNvSpPr>
+            <a:spLocks noGrp="1"/>
+          </p:cNvSpPr>
+          <p:nvPr>
+            <p:ph idx="1"/>
+          </p:nvPr>
+        </p:nvSpPr>
+        <p:spPr/>
+        <p:txBody>
+          <a:bodyPr/>
+          <a:lstStyle/>
+          <a:p>
+            <a:r>
               <a:rPr lang="en-US" dirty="0"/>
               <a:t>Verification on </a:t>
             </a:r>
@@ -8973,6 +9319,47 @@
           </a:p>
         </p:txBody>
       </p:sp>
+      <p:pic>
+        <p:nvPicPr>
+          <p:cNvPr id="4" name="Picture 4" descr="https://scontent-lga3-1.xx.fbcdn.net/v/t34.0-12/14658319_1208917582513713_1947683217_n.png?oh=cb9152593b77dcf42903761acd5cccdf&amp;oe=58048D84"/>
+          <p:cNvPicPr>
+            <a:picLocks noChangeAspect="1" noChangeArrowheads="1"/>
+          </p:cNvPicPr>
+          <p:nvPr/>
+        </p:nvPicPr>
+        <p:blipFill>
+          <a:blip r:embed="rId3">
+            <a:extLst>
+              <a:ext uri="{28A0092B-C50C-407E-A947-70E740481C1C}">
+                <a14:useLocalDpi xmlns:a14="http://schemas.microsoft.com/office/drawing/2010/main" val="0"/>
+              </a:ext>
+            </a:extLst>
+          </a:blip>
+          <a:srcRect/>
+          <a:stretch>
+            <a:fillRect/>
+          </a:stretch>
+        </p:blipFill>
+        <p:spPr bwMode="auto">
+          <a:xfrm>
+            <a:off x="7675383" y="2336873"/>
+            <a:ext cx="2618799" cy="3953060"/>
+          </a:xfrm>
+          <a:prstGeom prst="rect">
+            <a:avLst/>
+          </a:prstGeom>
+          <a:noFill/>
+          <a:extLst>
+            <a:ext uri="{909E8E84-426E-40DD-AFC4-6F175D3DCCD1}">
+              <a14:hiddenFill xmlns:a14="http://schemas.microsoft.com/office/drawing/2010/main">
+                <a:solidFill>
+                  <a:srgbClr val="FFFFFF"/>
+                </a:solidFill>
+              </a14:hiddenFill>
+            </a:ext>
+          </a:extLst>
+        </p:spPr>
+      </p:pic>
     </p:spTree>
     <p:extLst>
       <p:ext uri="{BB962C8B-B14F-4D97-AF65-F5344CB8AC3E}">
@@ -8989,7 +9376,7 @@
 <file path=ppt/theme/theme1.xml><?xml version="1.0" encoding="utf-8"?>
 <a:theme xmlns:a="http://schemas.openxmlformats.org/drawingml/2006/main" name="Berlin">
   <a:themeElements>
-    <a:clrScheme name="Red Orange">
+    <a:clrScheme name="Aspect">
       <a:dk1>
         <a:sysClr val="windowText" lastClr="000000"/>
       </a:dk1>
@@ -8997,34 +9384,34 @@
         <a:sysClr val="window" lastClr="FFFFFF"/>
       </a:lt1>
       <a:dk2>
-        <a:srgbClr val="505046"/>
+        <a:srgbClr val="323232"/>
       </a:dk2>
       <a:lt2>
-        <a:srgbClr val="EEECE1"/>
+        <a:srgbClr val="E3DED1"/>
       </a:lt2>
       <a:accent1>
-        <a:srgbClr val="E84C22"/>
+        <a:srgbClr val="F07F09"/>
       </a:accent1>
       <a:accent2>
-        <a:srgbClr val="FFBD47"/>
+        <a:srgbClr val="9F2936"/>
       </a:accent2>
       <a:accent3>
-        <a:srgbClr val="B64926"/>
+        <a:srgbClr val="1B587C"/>
       </a:accent3>
       <a:accent4>
-        <a:srgbClr val="FF8427"/>
+        <a:srgbClr val="4E8542"/>
       </a:accent4>
       <a:accent5>
-        <a:srgbClr val="CC9900"/>
+        <a:srgbClr val="604878"/>
       </a:accent5>
       <a:accent6>
-        <a:srgbClr val="B22600"/>
+        <a:srgbClr val="C19859"/>
       </a:accent6>
       <a:hlink>
-        <a:srgbClr val="CC9900"/>
+        <a:srgbClr val="6B9F25"/>
       </a:hlink>
       <a:folHlink>
-        <a:srgbClr val="666699"/>
+        <a:srgbClr val="B26B02"/>
       </a:folHlink>
     </a:clrScheme>
     <a:fontScheme name="Berlin">
